--- a/Presentation1.pptx
+++ b/Presentation1.pptx
@@ -7,6 +7,9 @@
   <p:sldIdLst>
     <p:sldId id="256" r:id="rId2"/>
     <p:sldId id="257" r:id="rId3"/>
+    <p:sldId id="258" r:id="rId4"/>
+    <p:sldId id="259" r:id="rId5"/>
+    <p:sldId id="260" r:id="rId6"/>
   </p:sldIdLst>
   <p:sldSz cx="12192000" cy="6858000"/>
   <p:notesSz cx="6858000" cy="9144000"/>
@@ -105,6 +108,11 @@
       </a:defRPr>
     </a:lvl9pPr>
   </p:defaultTextStyle>
+  <p:extLst>
+    <p:ext uri="{EFAFB233-063F-42B5-8137-9DF3F51BA10A}">
+      <p15:sldGuideLst xmlns:p15="http://schemas.microsoft.com/office/powerpoint/2012/main"/>
+    </p:ext>
+  </p:extLst>
 </p:presentation>
 </file>
 
@@ -267,7 +275,7 @@
           <a:p>
             <a:fld id="{90FEE93A-09F9-4B52-8805-E8C7EA8854DD}" type="datetimeFigureOut">
               <a:rPr lang="en-US" smtClean="0"/>
-              <a:t>3/30/2020</a:t>
+              <a:t>6/19/2020</a:t>
             </a:fld>
             <a:endParaRPr lang="en-US"/>
           </a:p>
@@ -465,7 +473,7 @@
           <a:p>
             <a:fld id="{90FEE93A-09F9-4B52-8805-E8C7EA8854DD}" type="datetimeFigureOut">
               <a:rPr lang="en-US" smtClean="0"/>
-              <a:t>3/30/2020</a:t>
+              <a:t>6/19/2020</a:t>
             </a:fld>
             <a:endParaRPr lang="en-US"/>
           </a:p>
@@ -673,7 +681,7 @@
           <a:p>
             <a:fld id="{90FEE93A-09F9-4B52-8805-E8C7EA8854DD}" type="datetimeFigureOut">
               <a:rPr lang="en-US" smtClean="0"/>
-              <a:t>3/30/2020</a:t>
+              <a:t>6/19/2020</a:t>
             </a:fld>
             <a:endParaRPr lang="en-US"/>
           </a:p>
@@ -871,7 +879,7 @@
           <a:p>
             <a:fld id="{90FEE93A-09F9-4B52-8805-E8C7EA8854DD}" type="datetimeFigureOut">
               <a:rPr lang="en-US" smtClean="0"/>
-              <a:t>3/30/2020</a:t>
+              <a:t>6/19/2020</a:t>
             </a:fld>
             <a:endParaRPr lang="en-US"/>
           </a:p>
@@ -1146,7 +1154,7 @@
           <a:p>
             <a:fld id="{90FEE93A-09F9-4B52-8805-E8C7EA8854DD}" type="datetimeFigureOut">
               <a:rPr lang="en-US" smtClean="0"/>
-              <a:t>3/30/2020</a:t>
+              <a:t>6/19/2020</a:t>
             </a:fld>
             <a:endParaRPr lang="en-US"/>
           </a:p>
@@ -1411,7 +1419,7 @@
           <a:p>
             <a:fld id="{90FEE93A-09F9-4B52-8805-E8C7EA8854DD}" type="datetimeFigureOut">
               <a:rPr lang="en-US" smtClean="0"/>
-              <a:t>3/30/2020</a:t>
+              <a:t>6/19/2020</a:t>
             </a:fld>
             <a:endParaRPr lang="en-US"/>
           </a:p>
@@ -1823,7 +1831,7 @@
           <a:p>
             <a:fld id="{90FEE93A-09F9-4B52-8805-E8C7EA8854DD}" type="datetimeFigureOut">
               <a:rPr lang="en-US" smtClean="0"/>
-              <a:t>3/30/2020</a:t>
+              <a:t>6/19/2020</a:t>
             </a:fld>
             <a:endParaRPr lang="en-US"/>
           </a:p>
@@ -1964,7 +1972,7 @@
           <a:p>
             <a:fld id="{90FEE93A-09F9-4B52-8805-E8C7EA8854DD}" type="datetimeFigureOut">
               <a:rPr lang="en-US" smtClean="0"/>
-              <a:t>3/30/2020</a:t>
+              <a:t>6/19/2020</a:t>
             </a:fld>
             <a:endParaRPr lang="en-US"/>
           </a:p>
@@ -2077,7 +2085,7 @@
           <a:p>
             <a:fld id="{90FEE93A-09F9-4B52-8805-E8C7EA8854DD}" type="datetimeFigureOut">
               <a:rPr lang="en-US" smtClean="0"/>
-              <a:t>3/30/2020</a:t>
+              <a:t>6/19/2020</a:t>
             </a:fld>
             <a:endParaRPr lang="en-US"/>
           </a:p>
@@ -2388,7 +2396,7 @@
           <a:p>
             <a:fld id="{90FEE93A-09F9-4B52-8805-E8C7EA8854DD}" type="datetimeFigureOut">
               <a:rPr lang="en-US" smtClean="0"/>
-              <a:t>3/30/2020</a:t>
+              <a:t>6/19/2020</a:t>
             </a:fld>
             <a:endParaRPr lang="en-US"/>
           </a:p>
@@ -2676,7 +2684,7 @@
           <a:p>
             <a:fld id="{90FEE93A-09F9-4B52-8805-E8C7EA8854DD}" type="datetimeFigureOut">
               <a:rPr lang="en-US" smtClean="0"/>
-              <a:t>3/30/2020</a:t>
+              <a:t>6/19/2020</a:t>
             </a:fld>
             <a:endParaRPr lang="en-US"/>
           </a:p>
@@ -2917,7 +2925,7 @@
           <a:p>
             <a:fld id="{90FEE93A-09F9-4B52-8805-E8C7EA8854DD}" type="datetimeFigureOut">
               <a:rPr lang="en-US" smtClean="0"/>
-              <a:t>3/30/2020</a:t>
+              <a:t>6/19/2020</a:t>
             </a:fld>
             <a:endParaRPr lang="en-US"/>
           </a:p>
@@ -4068,8 +4076,8 @@
           </a:fontRef>
         </p:style>
       </p:cxnSp>
-      <mc:AlternateContent xmlns:mc="http://schemas.openxmlformats.org/markup-compatibility/2006">
-        <mc:Choice xmlns:a14="http://schemas.microsoft.com/office/drawing/2010/main" Requires="a14">
+      <mc:AlternateContent xmlns:mc="http://schemas.openxmlformats.org/markup-compatibility/2006" xmlns:a14="http://schemas.microsoft.com/office/drawing/2010/main">
+        <mc:Choice Requires="a14">
           <p:sp>
             <p:nvSpPr>
               <p:cNvPr id="21" name="TextBox 20">
@@ -4098,6 +4106,7 @@
               </a:bodyPr>
               <a:lstStyle/>
               <a:p>
+                <a:pPr/>
                 <a14:m>
                   <m:oMathPara xmlns:m="http://schemas.openxmlformats.org/officeDocument/2006/math">
                     <m:oMathParaPr>
@@ -4137,7 +4146,7 @@
             </p:txBody>
           </p:sp>
         </mc:Choice>
-        <mc:Fallback>
+        <mc:Fallback xmlns="">
           <p:sp>
             <p:nvSpPr>
               <p:cNvPr id="21" name="TextBox 20">
@@ -4182,8 +4191,8 @@
           </p:sp>
         </mc:Fallback>
       </mc:AlternateContent>
-      <mc:AlternateContent xmlns:mc="http://schemas.openxmlformats.org/markup-compatibility/2006">
-        <mc:Choice xmlns:a14="http://schemas.microsoft.com/office/drawing/2010/main" Requires="a14">
+      <mc:AlternateContent xmlns:mc="http://schemas.openxmlformats.org/markup-compatibility/2006" xmlns:a14="http://schemas.microsoft.com/office/drawing/2010/main">
+        <mc:Choice Requires="a14">
           <p:sp>
             <p:nvSpPr>
               <p:cNvPr id="22" name="TextBox 21">
@@ -4212,6 +4221,7 @@
               </a:bodyPr>
               <a:lstStyle/>
               <a:p>
+                <a:pPr/>
                 <a14:m>
                   <m:oMathPara xmlns:m="http://schemas.openxmlformats.org/officeDocument/2006/math">
                     <m:oMathParaPr>
@@ -4251,7 +4261,7 @@
             </p:txBody>
           </p:sp>
         </mc:Choice>
-        <mc:Fallback>
+        <mc:Fallback xmlns="">
           <p:sp>
             <p:nvSpPr>
               <p:cNvPr id="22" name="TextBox 21">
@@ -4296,8 +4306,8 @@
           </p:sp>
         </mc:Fallback>
       </mc:AlternateContent>
-      <mc:AlternateContent xmlns:mc="http://schemas.openxmlformats.org/markup-compatibility/2006">
-        <mc:Choice xmlns:a14="http://schemas.microsoft.com/office/drawing/2010/main" Requires="a14">
+      <mc:AlternateContent xmlns:mc="http://schemas.openxmlformats.org/markup-compatibility/2006" xmlns:a14="http://schemas.microsoft.com/office/drawing/2010/main">
+        <mc:Choice Requires="a14">
           <p:sp>
             <p:nvSpPr>
               <p:cNvPr id="23" name="TextBox 22">
@@ -4326,6 +4336,7 @@
               </a:bodyPr>
               <a:lstStyle/>
               <a:p>
+                <a:pPr/>
                 <a14:m>
                   <m:oMathPara xmlns:m="http://schemas.openxmlformats.org/officeDocument/2006/math">
                     <m:oMathParaPr>
@@ -4365,7 +4376,7 @@
             </p:txBody>
           </p:sp>
         </mc:Choice>
-        <mc:Fallback>
+        <mc:Fallback xmlns="">
           <p:sp>
             <p:nvSpPr>
               <p:cNvPr id="23" name="TextBox 22">
@@ -4410,8 +4421,8 @@
           </p:sp>
         </mc:Fallback>
       </mc:AlternateContent>
-      <mc:AlternateContent xmlns:mc="http://schemas.openxmlformats.org/markup-compatibility/2006">
-        <mc:Choice xmlns:a14="http://schemas.microsoft.com/office/drawing/2010/main" Requires="a14">
+      <mc:AlternateContent xmlns:mc="http://schemas.openxmlformats.org/markup-compatibility/2006" xmlns:a14="http://schemas.microsoft.com/office/drawing/2010/main">
+        <mc:Choice Requires="a14">
           <p:sp>
             <p:nvSpPr>
               <p:cNvPr id="24" name="TextBox 23">
@@ -4440,6 +4451,7 @@
               </a:bodyPr>
               <a:lstStyle/>
               <a:p>
+                <a:pPr/>
                 <a14:m>
                   <m:oMathPara xmlns:m="http://schemas.openxmlformats.org/officeDocument/2006/math">
                     <m:oMathParaPr>
@@ -4479,7 +4491,7 @@
             </p:txBody>
           </p:sp>
         </mc:Choice>
-        <mc:Fallback>
+        <mc:Fallback xmlns="">
           <p:sp>
             <p:nvSpPr>
               <p:cNvPr id="24" name="TextBox 23">
@@ -4692,8 +4704,8 @@
           </a:fontRef>
         </p:style>
       </p:cxnSp>
-      <mc:AlternateContent xmlns:mc="http://schemas.openxmlformats.org/markup-compatibility/2006">
-        <mc:Choice xmlns:a14="http://schemas.microsoft.com/office/drawing/2010/main" Requires="a14">
+      <mc:AlternateContent xmlns:mc="http://schemas.openxmlformats.org/markup-compatibility/2006" xmlns:a14="http://schemas.microsoft.com/office/drawing/2010/main">
+        <mc:Choice Requires="a14">
           <p:sp>
             <p:nvSpPr>
               <p:cNvPr id="42" name="TextBox 41">
@@ -4722,6 +4734,7 @@
               </a:bodyPr>
               <a:lstStyle/>
               <a:p>
+                <a:pPr/>
                 <a14:m>
                   <m:oMathPara xmlns:m="http://schemas.openxmlformats.org/officeDocument/2006/math">
                     <m:oMathParaPr>
@@ -4761,7 +4774,7 @@
             </p:txBody>
           </p:sp>
         </mc:Choice>
-        <mc:Fallback>
+        <mc:Fallback xmlns="">
           <p:sp>
             <p:nvSpPr>
               <p:cNvPr id="42" name="TextBox 41">
@@ -5597,8 +5610,8 @@
             </a:fontRef>
           </p:style>
         </p:cxnSp>
-        <mc:AlternateContent xmlns:mc="http://schemas.openxmlformats.org/markup-compatibility/2006">
-          <mc:Choice xmlns:a14="http://schemas.microsoft.com/office/drawing/2010/main" Requires="a14">
+        <mc:AlternateContent xmlns:mc="http://schemas.openxmlformats.org/markup-compatibility/2006" xmlns:a14="http://schemas.microsoft.com/office/drawing/2010/main">
+          <mc:Choice Requires="a14">
             <p:sp>
               <p:nvSpPr>
                 <p:cNvPr id="201" name="TextBox 200">
@@ -5627,6 +5640,7 @@
                 </a:bodyPr>
                 <a:lstStyle/>
                 <a:p>
+                  <a:pPr/>
                   <a14:m>
                     <m:oMathPara xmlns:m="http://schemas.openxmlformats.org/officeDocument/2006/math">
                       <m:oMathParaPr>
@@ -5666,7 +5680,7 @@
               </p:txBody>
             </p:sp>
           </mc:Choice>
-          <mc:Fallback>
+          <mc:Fallback xmlns="">
             <p:sp>
               <p:nvSpPr>
                 <p:cNvPr id="201" name="TextBox 200">
@@ -6443,8 +6457,8 @@
             </a:p>
           </p:txBody>
         </p:sp>
-        <mc:AlternateContent xmlns:mc="http://schemas.openxmlformats.org/markup-compatibility/2006">
-          <mc:Choice xmlns:a14="http://schemas.microsoft.com/office/drawing/2010/main" Requires="a14">
+        <mc:AlternateContent xmlns:mc="http://schemas.openxmlformats.org/markup-compatibility/2006" xmlns:a14="http://schemas.microsoft.com/office/drawing/2010/main">
+          <mc:Choice Requires="a14">
             <p:sp>
               <p:nvSpPr>
                 <p:cNvPr id="200" name="TextBox 199">
@@ -6473,6 +6487,7 @@
                 </a:bodyPr>
                 <a:lstStyle/>
                 <a:p>
+                  <a:pPr/>
                   <a14:m>
                     <m:oMathPara xmlns:m="http://schemas.openxmlformats.org/officeDocument/2006/math">
                       <m:oMathParaPr>
@@ -6512,7 +6527,7 @@
               </p:txBody>
             </p:sp>
           </mc:Choice>
-          <mc:Fallback>
+          <mc:Fallback xmlns="">
             <p:sp>
               <p:nvSpPr>
                 <p:cNvPr id="200" name="TextBox 199">
@@ -6735,8 +6750,8 @@
             </a:fontRef>
           </p:style>
         </p:cxnSp>
-        <mc:AlternateContent xmlns:mc="http://schemas.openxmlformats.org/markup-compatibility/2006">
-          <mc:Choice xmlns:a14="http://schemas.microsoft.com/office/drawing/2010/main" Requires="a14">
+        <mc:AlternateContent xmlns:mc="http://schemas.openxmlformats.org/markup-compatibility/2006" xmlns:a14="http://schemas.microsoft.com/office/drawing/2010/main">
+          <mc:Choice Requires="a14">
             <p:sp>
               <p:nvSpPr>
                 <p:cNvPr id="211" name="TextBox 210">
@@ -6765,6 +6780,7 @@
                 </a:bodyPr>
                 <a:lstStyle/>
                 <a:p>
+                  <a:pPr/>
                   <a14:m>
                     <m:oMathPara xmlns:m="http://schemas.openxmlformats.org/officeDocument/2006/math">
                       <m:oMathParaPr>
@@ -6785,7 +6801,7 @@
               </p:txBody>
             </p:sp>
           </mc:Choice>
-          <mc:Fallback>
+          <mc:Fallback xmlns="">
             <p:sp>
               <p:nvSpPr>
                 <p:cNvPr id="211" name="TextBox 210">
@@ -6830,8 +6846,8 @@
             </p:sp>
           </mc:Fallback>
         </mc:AlternateContent>
-        <mc:AlternateContent xmlns:mc="http://schemas.openxmlformats.org/markup-compatibility/2006">
-          <mc:Choice xmlns:a14="http://schemas.microsoft.com/office/drawing/2010/main" Requires="a14">
+        <mc:AlternateContent xmlns:mc="http://schemas.openxmlformats.org/markup-compatibility/2006" xmlns:a14="http://schemas.microsoft.com/office/drawing/2010/main">
+          <mc:Choice Requires="a14">
             <p:sp>
               <p:nvSpPr>
                 <p:cNvPr id="213" name="TextBox 212">
@@ -6860,6 +6876,7 @@
                 </a:bodyPr>
                 <a:lstStyle/>
                 <a:p>
+                  <a:pPr/>
                   <a14:m>
                     <m:oMathPara xmlns:m="http://schemas.openxmlformats.org/officeDocument/2006/math">
                       <m:oMathParaPr>
@@ -6880,7 +6897,7 @@
               </p:txBody>
             </p:sp>
           </mc:Choice>
-          <mc:Fallback>
+          <mc:Fallback xmlns="">
             <p:sp>
               <p:nvSpPr>
                 <p:cNvPr id="213" name="TextBox 212">
@@ -6930,6 +6947,492 @@
     <p:extLst>
       <p:ext uri="{BB962C8B-B14F-4D97-AF65-F5344CB8AC3E}">
         <p14:creationId xmlns:p14="http://schemas.microsoft.com/office/powerpoint/2010/main" val="3060569456"/>
+      </p:ext>
+    </p:extLst>
+  </p:cSld>
+  <p:clrMapOvr>
+    <a:masterClrMapping/>
+  </p:clrMapOvr>
+</p:sld>
+</file>
+
+<file path=ppt/slides/slide3.xml><?xml version="1.0" encoding="utf-8"?>
+<p:sld xmlns:a="http://schemas.openxmlformats.org/drawingml/2006/main" xmlns:r="http://schemas.openxmlformats.org/officeDocument/2006/relationships" xmlns:p="http://schemas.openxmlformats.org/presentationml/2006/main">
+  <p:cSld>
+    <p:spTree>
+      <p:nvGrpSpPr>
+        <p:cNvPr id="1" name=""/>
+        <p:cNvGrpSpPr/>
+        <p:nvPr/>
+      </p:nvGrpSpPr>
+      <p:grpSpPr>
+        <a:xfrm>
+          <a:off x="0" y="0"/>
+          <a:ext cx="0" cy="0"/>
+          <a:chOff x="0" y="0"/>
+          <a:chExt cx="0" cy="0"/>
+        </a:xfrm>
+      </p:grpSpPr>
+      <p:pic>
+        <p:nvPicPr>
+          <p:cNvPr id="5" name="Picture 4">
+            <a:extLst>
+              <a:ext uri="{FF2B5EF4-FFF2-40B4-BE49-F238E27FC236}">
+                <a16:creationId xmlns:a16="http://schemas.microsoft.com/office/drawing/2014/main" id="{FB198EB1-93C4-439C-952B-E42BC6347699}"/>
+              </a:ext>
+            </a:extLst>
+          </p:cNvPr>
+          <p:cNvPicPr>
+            <a:picLocks noChangeAspect="1"/>
+          </p:cNvPicPr>
+          <p:nvPr/>
+        </p:nvPicPr>
+        <p:blipFill>
+          <a:blip r:embed="rId2">
+            <a:extLst>
+              <a:ext uri="{28A0092B-C50C-407E-A947-70E740481C1C}">
+                <a14:useLocalDpi xmlns:a14="http://schemas.microsoft.com/office/drawing/2010/main" val="0"/>
+              </a:ext>
+            </a:extLst>
+          </a:blip>
+          <a:stretch>
+            <a:fillRect/>
+          </a:stretch>
+        </p:blipFill>
+        <p:spPr>
+          <a:xfrm>
+            <a:off x="5652415" y="506212"/>
+            <a:ext cx="5333333" cy="4000000"/>
+          </a:xfrm>
+          <a:prstGeom prst="rect">
+            <a:avLst/>
+          </a:prstGeom>
+        </p:spPr>
+      </p:pic>
+      <p:pic>
+        <p:nvPicPr>
+          <p:cNvPr id="7" name="Picture 6">
+            <a:extLst>
+              <a:ext uri="{FF2B5EF4-FFF2-40B4-BE49-F238E27FC236}">
+                <a16:creationId xmlns:a16="http://schemas.microsoft.com/office/drawing/2014/main" id="{37BC00A9-CD3E-46A0-B623-F2D963BAAA4B}"/>
+              </a:ext>
+            </a:extLst>
+          </p:cNvPr>
+          <p:cNvPicPr>
+            <a:picLocks noChangeAspect="1"/>
+          </p:cNvPicPr>
+          <p:nvPr/>
+        </p:nvPicPr>
+        <p:blipFill>
+          <a:blip r:embed="rId3">
+            <a:extLst>
+              <a:ext uri="{28A0092B-C50C-407E-A947-70E740481C1C}">
+                <a14:useLocalDpi xmlns:a14="http://schemas.microsoft.com/office/drawing/2010/main" val="0"/>
+              </a:ext>
+            </a:extLst>
+          </a:blip>
+          <a:stretch>
+            <a:fillRect/>
+          </a:stretch>
+        </p:blipFill>
+        <p:spPr>
+          <a:xfrm>
+            <a:off x="115684" y="506212"/>
+            <a:ext cx="5333333" cy="4000000"/>
+          </a:xfrm>
+          <a:prstGeom prst="rect">
+            <a:avLst/>
+          </a:prstGeom>
+        </p:spPr>
+      </p:pic>
+      <p:pic>
+        <p:nvPicPr>
+          <p:cNvPr id="8" name="Picture 7">
+            <a:extLst>
+              <a:ext uri="{FF2B5EF4-FFF2-40B4-BE49-F238E27FC236}">
+                <a16:creationId xmlns:a16="http://schemas.microsoft.com/office/drawing/2014/main" id="{6FC6C59A-981D-4721-83E6-057C82CDB90F}"/>
+              </a:ext>
+            </a:extLst>
+          </p:cNvPr>
+          <p:cNvPicPr>
+            <a:picLocks noChangeAspect="1"/>
+          </p:cNvPicPr>
+          <p:nvPr/>
+        </p:nvPicPr>
+        <p:blipFill>
+          <a:blip r:embed="rId4"/>
+          <a:stretch>
+            <a:fillRect/>
+          </a:stretch>
+        </p:blipFill>
+        <p:spPr>
+          <a:xfrm>
+            <a:off x="115684" y="4875328"/>
+            <a:ext cx="5333333" cy="998255"/>
+          </a:xfrm>
+          <a:prstGeom prst="rect">
+            <a:avLst/>
+          </a:prstGeom>
+        </p:spPr>
+      </p:pic>
+      <p:pic>
+        <p:nvPicPr>
+          <p:cNvPr id="9" name="Picture 8">
+            <a:extLst>
+              <a:ext uri="{FF2B5EF4-FFF2-40B4-BE49-F238E27FC236}">
+                <a16:creationId xmlns:a16="http://schemas.microsoft.com/office/drawing/2014/main" id="{61ABF334-A31A-411C-BF0E-FCFD9A5551F7}"/>
+              </a:ext>
+            </a:extLst>
+          </p:cNvPr>
+          <p:cNvPicPr>
+            <a:picLocks noChangeAspect="1"/>
+          </p:cNvPicPr>
+          <p:nvPr/>
+        </p:nvPicPr>
+        <p:blipFill>
+          <a:blip r:embed="rId5"/>
+          <a:stretch>
+            <a:fillRect/>
+          </a:stretch>
+        </p:blipFill>
+        <p:spPr>
+          <a:xfrm>
+            <a:off x="6021532" y="4875327"/>
+            <a:ext cx="5764999" cy="1147968"/>
+          </a:xfrm>
+          <a:prstGeom prst="rect">
+            <a:avLst/>
+          </a:prstGeom>
+        </p:spPr>
+      </p:pic>
+    </p:spTree>
+    <p:extLst>
+      <p:ext uri="{BB962C8B-B14F-4D97-AF65-F5344CB8AC3E}">
+        <p14:creationId xmlns:p14="http://schemas.microsoft.com/office/powerpoint/2010/main" val="1540648596"/>
+      </p:ext>
+    </p:extLst>
+  </p:cSld>
+  <p:clrMapOvr>
+    <a:masterClrMapping/>
+  </p:clrMapOvr>
+</p:sld>
+</file>
+
+<file path=ppt/slides/slide4.xml><?xml version="1.0" encoding="utf-8"?>
+<p:sld xmlns:a="http://schemas.openxmlformats.org/drawingml/2006/main" xmlns:r="http://schemas.openxmlformats.org/officeDocument/2006/relationships" xmlns:p="http://schemas.openxmlformats.org/presentationml/2006/main">
+  <p:cSld>
+    <p:spTree>
+      <p:nvGrpSpPr>
+        <p:cNvPr id="1" name=""/>
+        <p:cNvGrpSpPr/>
+        <p:nvPr/>
+      </p:nvGrpSpPr>
+      <p:grpSpPr>
+        <a:xfrm>
+          <a:off x="0" y="0"/>
+          <a:ext cx="0" cy="0"/>
+          <a:chOff x="0" y="0"/>
+          <a:chExt cx="0" cy="0"/>
+        </a:xfrm>
+      </p:grpSpPr>
+      <p:pic>
+        <p:nvPicPr>
+          <p:cNvPr id="8" name="Picture 7">
+            <a:extLst>
+              <a:ext uri="{FF2B5EF4-FFF2-40B4-BE49-F238E27FC236}">
+                <a16:creationId xmlns:a16="http://schemas.microsoft.com/office/drawing/2014/main" id="{6FC6C59A-981D-4721-83E6-057C82CDB90F}"/>
+              </a:ext>
+            </a:extLst>
+          </p:cNvPr>
+          <p:cNvPicPr>
+            <a:picLocks noChangeAspect="1"/>
+          </p:cNvPicPr>
+          <p:nvPr/>
+        </p:nvPicPr>
+        <p:blipFill>
+          <a:blip r:embed="rId2"/>
+          <a:stretch>
+            <a:fillRect/>
+          </a:stretch>
+        </p:blipFill>
+        <p:spPr>
+          <a:xfrm>
+            <a:off x="115684" y="4875328"/>
+            <a:ext cx="5333333" cy="998255"/>
+          </a:xfrm>
+          <a:prstGeom prst="rect">
+            <a:avLst/>
+          </a:prstGeom>
+        </p:spPr>
+      </p:pic>
+      <p:pic>
+        <p:nvPicPr>
+          <p:cNvPr id="9" name="Picture 8">
+            <a:extLst>
+              <a:ext uri="{FF2B5EF4-FFF2-40B4-BE49-F238E27FC236}">
+                <a16:creationId xmlns:a16="http://schemas.microsoft.com/office/drawing/2014/main" id="{61ABF334-A31A-411C-BF0E-FCFD9A5551F7}"/>
+              </a:ext>
+            </a:extLst>
+          </p:cNvPr>
+          <p:cNvPicPr>
+            <a:picLocks noChangeAspect="1"/>
+          </p:cNvPicPr>
+          <p:nvPr/>
+        </p:nvPicPr>
+        <p:blipFill>
+          <a:blip r:embed="rId3"/>
+          <a:stretch>
+            <a:fillRect/>
+          </a:stretch>
+        </p:blipFill>
+        <p:spPr>
+          <a:xfrm>
+            <a:off x="6021532" y="4875327"/>
+            <a:ext cx="5764999" cy="1147968"/>
+          </a:xfrm>
+          <a:prstGeom prst="rect">
+            <a:avLst/>
+          </a:prstGeom>
+        </p:spPr>
+      </p:pic>
+      <p:pic>
+        <p:nvPicPr>
+          <p:cNvPr id="3" name="Picture 2">
+            <a:extLst>
+              <a:ext uri="{FF2B5EF4-FFF2-40B4-BE49-F238E27FC236}">
+                <a16:creationId xmlns:a16="http://schemas.microsoft.com/office/drawing/2014/main" id="{3D95D29D-209B-45F5-ABF4-48097D9C62FC}"/>
+              </a:ext>
+            </a:extLst>
+          </p:cNvPr>
+          <p:cNvPicPr>
+            <a:picLocks noChangeAspect="1"/>
+          </p:cNvPicPr>
+          <p:nvPr/>
+        </p:nvPicPr>
+        <p:blipFill>
+          <a:blip r:embed="rId4">
+            <a:extLst>
+              <a:ext uri="{28A0092B-C50C-407E-A947-70E740481C1C}">
+                <a14:useLocalDpi xmlns:a14="http://schemas.microsoft.com/office/drawing/2010/main" val="0"/>
+              </a:ext>
+            </a:extLst>
+          </a:blip>
+          <a:stretch>
+            <a:fillRect/>
+          </a:stretch>
+        </p:blipFill>
+        <p:spPr>
+          <a:xfrm>
+            <a:off x="115683" y="405543"/>
+            <a:ext cx="5333333" cy="4000000"/>
+          </a:xfrm>
+          <a:prstGeom prst="rect">
+            <a:avLst/>
+          </a:prstGeom>
+        </p:spPr>
+      </p:pic>
+      <p:pic>
+        <p:nvPicPr>
+          <p:cNvPr id="6" name="Picture 5">
+            <a:extLst>
+              <a:ext uri="{FF2B5EF4-FFF2-40B4-BE49-F238E27FC236}">
+                <a16:creationId xmlns:a16="http://schemas.microsoft.com/office/drawing/2014/main" id="{C01D50D5-55B2-43B5-8E96-7F2DA08011A5}"/>
+              </a:ext>
+            </a:extLst>
+          </p:cNvPr>
+          <p:cNvPicPr>
+            <a:picLocks noChangeAspect="1"/>
+          </p:cNvPicPr>
+          <p:nvPr/>
+        </p:nvPicPr>
+        <p:blipFill>
+          <a:blip r:embed="rId5">
+            <a:extLst>
+              <a:ext uri="{28A0092B-C50C-407E-A947-70E740481C1C}">
+                <a14:useLocalDpi xmlns:a14="http://schemas.microsoft.com/office/drawing/2010/main" val="0"/>
+              </a:ext>
+            </a:extLst>
+          </a:blip>
+          <a:stretch>
+            <a:fillRect/>
+          </a:stretch>
+        </p:blipFill>
+        <p:spPr>
+          <a:xfrm>
+            <a:off x="6021532" y="405543"/>
+            <a:ext cx="5333333" cy="4000000"/>
+          </a:xfrm>
+          <a:prstGeom prst="rect">
+            <a:avLst/>
+          </a:prstGeom>
+        </p:spPr>
+      </p:pic>
+    </p:spTree>
+    <p:extLst>
+      <p:ext uri="{BB962C8B-B14F-4D97-AF65-F5344CB8AC3E}">
+        <p14:creationId xmlns:p14="http://schemas.microsoft.com/office/powerpoint/2010/main" val="1329634562"/>
+      </p:ext>
+    </p:extLst>
+  </p:cSld>
+  <p:clrMapOvr>
+    <a:masterClrMapping/>
+  </p:clrMapOvr>
+</p:sld>
+</file>
+
+<file path=ppt/slides/slide5.xml><?xml version="1.0" encoding="utf-8"?>
+<p:sld xmlns:a="http://schemas.openxmlformats.org/drawingml/2006/main" xmlns:r="http://schemas.openxmlformats.org/officeDocument/2006/relationships" xmlns:p="http://schemas.openxmlformats.org/presentationml/2006/main">
+  <p:cSld>
+    <p:spTree>
+      <p:nvGrpSpPr>
+        <p:cNvPr id="1" name=""/>
+        <p:cNvGrpSpPr/>
+        <p:nvPr/>
+      </p:nvGrpSpPr>
+      <p:grpSpPr>
+        <a:xfrm>
+          <a:off x="0" y="0"/>
+          <a:ext cx="0" cy="0"/>
+          <a:chOff x="0" y="0"/>
+          <a:chExt cx="0" cy="0"/>
+        </a:xfrm>
+      </p:grpSpPr>
+      <p:pic>
+        <p:nvPicPr>
+          <p:cNvPr id="8" name="Picture 7">
+            <a:extLst>
+              <a:ext uri="{FF2B5EF4-FFF2-40B4-BE49-F238E27FC236}">
+                <a16:creationId xmlns:a16="http://schemas.microsoft.com/office/drawing/2014/main" id="{6FC6C59A-981D-4721-83E6-057C82CDB90F}"/>
+              </a:ext>
+            </a:extLst>
+          </p:cNvPr>
+          <p:cNvPicPr>
+            <a:picLocks noChangeAspect="1"/>
+          </p:cNvPicPr>
+          <p:nvPr/>
+        </p:nvPicPr>
+        <p:blipFill>
+          <a:blip r:embed="rId2"/>
+          <a:stretch>
+            <a:fillRect/>
+          </a:stretch>
+        </p:blipFill>
+        <p:spPr>
+          <a:xfrm>
+            <a:off x="115684" y="4875328"/>
+            <a:ext cx="5333333" cy="998255"/>
+          </a:xfrm>
+          <a:prstGeom prst="rect">
+            <a:avLst/>
+          </a:prstGeom>
+        </p:spPr>
+      </p:pic>
+      <p:pic>
+        <p:nvPicPr>
+          <p:cNvPr id="9" name="Picture 8">
+            <a:extLst>
+              <a:ext uri="{FF2B5EF4-FFF2-40B4-BE49-F238E27FC236}">
+                <a16:creationId xmlns:a16="http://schemas.microsoft.com/office/drawing/2014/main" id="{61ABF334-A31A-411C-BF0E-FCFD9A5551F7}"/>
+              </a:ext>
+            </a:extLst>
+          </p:cNvPr>
+          <p:cNvPicPr>
+            <a:picLocks noChangeAspect="1"/>
+          </p:cNvPicPr>
+          <p:nvPr/>
+        </p:nvPicPr>
+        <p:blipFill>
+          <a:blip r:embed="rId3"/>
+          <a:stretch>
+            <a:fillRect/>
+          </a:stretch>
+        </p:blipFill>
+        <p:spPr>
+          <a:xfrm>
+            <a:off x="6021532" y="4875327"/>
+            <a:ext cx="5764999" cy="1147968"/>
+          </a:xfrm>
+          <a:prstGeom prst="rect">
+            <a:avLst/>
+          </a:prstGeom>
+        </p:spPr>
+      </p:pic>
+      <p:pic>
+        <p:nvPicPr>
+          <p:cNvPr id="3" name="Picture 2">
+            <a:extLst>
+              <a:ext uri="{FF2B5EF4-FFF2-40B4-BE49-F238E27FC236}">
+                <a16:creationId xmlns:a16="http://schemas.microsoft.com/office/drawing/2014/main" id="{799DC643-3AFE-4E02-9F91-A2DF959530A8}"/>
+              </a:ext>
+            </a:extLst>
+          </p:cNvPr>
+          <p:cNvPicPr>
+            <a:picLocks noChangeAspect="1"/>
+          </p:cNvPicPr>
+          <p:nvPr/>
+        </p:nvPicPr>
+        <p:blipFill>
+          <a:blip r:embed="rId4">
+            <a:extLst>
+              <a:ext uri="{28A0092B-C50C-407E-A947-70E740481C1C}">
+                <a14:useLocalDpi xmlns:a14="http://schemas.microsoft.com/office/drawing/2010/main" val="0"/>
+              </a:ext>
+            </a:extLst>
+          </a:blip>
+          <a:stretch>
+            <a:fillRect/>
+          </a:stretch>
+        </p:blipFill>
+        <p:spPr>
+          <a:xfrm>
+            <a:off x="115684" y="522989"/>
+            <a:ext cx="5333333" cy="4000000"/>
+          </a:xfrm>
+          <a:prstGeom prst="rect">
+            <a:avLst/>
+          </a:prstGeom>
+        </p:spPr>
+      </p:pic>
+      <p:pic>
+        <p:nvPicPr>
+          <p:cNvPr id="6" name="Picture 5">
+            <a:extLst>
+              <a:ext uri="{FF2B5EF4-FFF2-40B4-BE49-F238E27FC236}">
+                <a16:creationId xmlns:a16="http://schemas.microsoft.com/office/drawing/2014/main" id="{556B4E61-771D-46EA-863B-6DE03D62110C}"/>
+              </a:ext>
+            </a:extLst>
+          </p:cNvPr>
+          <p:cNvPicPr>
+            <a:picLocks noChangeAspect="1"/>
+          </p:cNvPicPr>
+          <p:nvPr/>
+        </p:nvPicPr>
+        <p:blipFill>
+          <a:blip r:embed="rId5">
+            <a:extLst>
+              <a:ext uri="{28A0092B-C50C-407E-A947-70E740481C1C}">
+                <a14:useLocalDpi xmlns:a14="http://schemas.microsoft.com/office/drawing/2010/main" val="0"/>
+              </a:ext>
+            </a:extLst>
+          </a:blip>
+          <a:stretch>
+            <a:fillRect/>
+          </a:stretch>
+        </p:blipFill>
+        <p:spPr>
+          <a:xfrm>
+            <a:off x="6021532" y="522989"/>
+            <a:ext cx="5333333" cy="4000000"/>
+          </a:xfrm>
+          <a:prstGeom prst="rect">
+            <a:avLst/>
+          </a:prstGeom>
+        </p:spPr>
+      </p:pic>
+    </p:spTree>
+    <p:extLst>
+      <p:ext uri="{BB962C8B-B14F-4D97-AF65-F5344CB8AC3E}">
+        <p14:creationId xmlns:p14="http://schemas.microsoft.com/office/powerpoint/2010/main" val="1782547941"/>
       </p:ext>
     </p:extLst>
   </p:cSld>
